--- a/Oregon Roadmap.pptx
+++ b/Oregon Roadmap.pptx
@@ -10,11 +10,7 @@
     <p:sldId id="257" r:id="rId4"/>
     <p:sldId id="259" r:id="rId5"/>
     <p:sldId id="260" r:id="rId6"/>
-    <p:sldId id="261" r:id="rId7"/>
-    <p:sldId id="266" r:id="rId8"/>
-    <p:sldId id="267" r:id="rId9"/>
-    <p:sldId id="268" r:id="rId10"/>
-    <p:sldId id="265" r:id="rId11"/>
+    <p:sldId id="265" r:id="rId7"/>
   </p:sldIdLst>
   <p:sldSz cx="9144000" cy="6858000" type="screen4x3"/>
   <p:notesSz cx="6858000" cy="9144000"/>
@@ -123,10 +119,6 @@
             <p14:sldId id="257"/>
             <p14:sldId id="259"/>
             <p14:sldId id="260"/>
-            <p14:sldId id="261"/>
-            <p14:sldId id="266"/>
-            <p14:sldId id="267"/>
-            <p14:sldId id="268"/>
             <p14:sldId id="265"/>
           </p14:sldIdLst>
         </p14:section>
@@ -3151,71 +3143,6 @@
     <p:extLst>
       <p:ext uri="{BB962C8B-B14F-4D97-AF65-F5344CB8AC3E}">
         <p14:creationId xmlns:p14="http://schemas.microsoft.com/office/powerpoint/2010/main" val="1891668527"/>
-      </p:ext>
-    </p:extLst>
-  </p:cSld>
-  <p:clrMapOvr>
-    <a:masterClrMapping/>
-  </p:clrMapOvr>
-  <p:timing>
-    <p:tnLst>
-      <p:par>
-        <p:cTn id="1" dur="indefinite" restart="never" nodeType="tmRoot"/>
-      </p:par>
-    </p:tnLst>
-  </p:timing>
-</p:sld>
-</file>
-
-<file path=ppt/slides/slide10.xml><?xml version="1.0" encoding="utf-8"?>
-<p:sld xmlns:a="http://schemas.openxmlformats.org/drawingml/2006/main" xmlns:r="http://schemas.openxmlformats.org/officeDocument/2006/relationships" xmlns:p="http://schemas.openxmlformats.org/presentationml/2006/main">
-  <p:cSld>
-    <p:spTree>
-      <p:nvGrpSpPr>
-        <p:cNvPr id="1" name=""/>
-        <p:cNvGrpSpPr/>
-        <p:nvPr/>
-      </p:nvGrpSpPr>
-      <p:grpSpPr>
-        <a:xfrm>
-          <a:off x="0" y="0"/>
-          <a:ext cx="0" cy="0"/>
-          <a:chOff x="0" y="0"/>
-          <a:chExt cx="0" cy="0"/>
-        </a:xfrm>
-      </p:grpSpPr>
-      <p:sp>
-        <p:nvSpPr>
-          <p:cNvPr id="2" name="Title 1"/>
-          <p:cNvSpPr>
-            <a:spLocks noGrp="1"/>
-          </p:cNvSpPr>
-          <p:nvPr>
-            <p:ph type="title"/>
-          </p:nvPr>
-        </p:nvSpPr>
-        <p:spPr>
-          <a:xfrm>
-            <a:off x="395536" y="2708920"/>
-            <a:ext cx="8229600" cy="1143000"/>
-          </a:xfrm>
-        </p:spPr>
-        <p:txBody>
-          <a:bodyPr/>
-          <a:lstStyle/>
-          <a:p>
-            <a:r>
-              <a:rPr lang="en-GB" dirty="0" smtClean="0"/>
-              <a:t>Questions?</a:t>
-            </a:r>
-            <a:endParaRPr lang="en-GB" dirty="0"/>
-          </a:p>
-        </p:txBody>
-      </p:sp>
-    </p:spTree>
-    <p:extLst>
-      <p:ext uri="{BB962C8B-B14F-4D97-AF65-F5344CB8AC3E}">
-        <p14:creationId xmlns:p14="http://schemas.microsoft.com/office/powerpoint/2010/main" val="3224504844"/>
       </p:ext>
     </p:extLst>
   </p:cSld>
@@ -4333,8 +4260,8 @@
         </p:nvSpPr>
         <p:spPr>
           <a:xfrm>
-            <a:off x="827584" y="2708920"/>
-            <a:ext cx="7772400" cy="1143000"/>
+            <a:off x="395536" y="2708920"/>
+            <a:ext cx="8229600" cy="1143000"/>
           </a:xfrm>
         </p:spPr>
         <p:txBody>
@@ -4343,7 +4270,7 @@
           <a:p>
             <a:r>
               <a:rPr lang="en-GB" dirty="0" smtClean="0"/>
-              <a:t>Example events</a:t>
+              <a:t>Questions?</a:t>
             </a:r>
             <a:endParaRPr lang="en-GB" dirty="0"/>
           </a:p>
@@ -4352,7 +4279,7 @@
     </p:spTree>
     <p:extLst>
       <p:ext uri="{BB962C8B-B14F-4D97-AF65-F5344CB8AC3E}">
-        <p14:creationId xmlns:p14="http://schemas.microsoft.com/office/powerpoint/2010/main" val="1612355216"/>
+        <p14:creationId xmlns:p14="http://schemas.microsoft.com/office/powerpoint/2010/main" val="3224504844"/>
       </p:ext>
     </p:extLst>
   </p:cSld>
@@ -4365,799 +4292,6 @@
         <p:cTn id="1" dur="indefinite" restart="never" nodeType="tmRoot"/>
       </p:par>
     </p:tnLst>
-  </p:timing>
-</p:sld>
-</file>
-
-<file path=ppt/slides/slide7.xml><?xml version="1.0" encoding="utf-8"?>
-<p:sld xmlns:a="http://schemas.openxmlformats.org/drawingml/2006/main" xmlns:r="http://schemas.openxmlformats.org/officeDocument/2006/relationships" xmlns:p="http://schemas.openxmlformats.org/presentationml/2006/main">
-  <p:cSld>
-    <p:spTree>
-      <p:nvGrpSpPr>
-        <p:cNvPr id="1" name=""/>
-        <p:cNvGrpSpPr/>
-        <p:nvPr/>
-      </p:nvGrpSpPr>
-      <p:grpSpPr>
-        <a:xfrm>
-          <a:off x="0" y="0"/>
-          <a:ext cx="0" cy="0"/>
-          <a:chOff x="0" y="0"/>
-          <a:chExt cx="0" cy="0"/>
-        </a:xfrm>
-      </p:grpSpPr>
-      <p:sp>
-        <p:nvSpPr>
-          <p:cNvPr id="2" name="Title 1"/>
-          <p:cNvSpPr>
-            <a:spLocks noGrp="1"/>
-          </p:cNvSpPr>
-          <p:nvPr>
-            <p:ph type="title"/>
-          </p:nvPr>
-        </p:nvSpPr>
-        <p:spPr>
-          <a:xfrm>
-            <a:off x="467544" y="764704"/>
-            <a:ext cx="8229600" cy="1143000"/>
-          </a:xfrm>
-        </p:spPr>
-        <p:txBody>
-          <a:bodyPr>
-            <a:normAutofit fontScale="90000"/>
-          </a:bodyPr>
-          <a:lstStyle/>
-          <a:p>
-            <a:r>
-              <a:rPr lang="en-GB" dirty="0" smtClean="0"/>
-              <a:t>The customer wants a new feature right now! Do you:</a:t>
-            </a:r>
-            <a:br>
-              <a:rPr lang="en-GB" dirty="0" smtClean="0"/>
-            </a:br>
-            <a:endParaRPr lang="en-GB" dirty="0"/>
-          </a:p>
-        </p:txBody>
-      </p:sp>
-      <p:sp>
-        <p:nvSpPr>
-          <p:cNvPr id="3" name="Content Placeholder 2"/>
-          <p:cNvSpPr>
-            <a:spLocks noGrp="1"/>
-          </p:cNvSpPr>
-          <p:nvPr>
-            <p:ph idx="1"/>
-          </p:nvPr>
-        </p:nvSpPr>
-        <p:spPr>
-          <a:xfrm>
-            <a:off x="467544" y="1916832"/>
-            <a:ext cx="8229600" cy="4525963"/>
-          </a:xfrm>
-        </p:spPr>
-        <p:txBody>
-          <a:bodyPr/>
-          <a:lstStyle/>
-          <a:p>
-            <a:r>
-              <a:rPr lang="en-GB" dirty="0" smtClean="0"/>
-              <a:t>Get it done ASAP (Lose morale)</a:t>
-            </a:r>
-          </a:p>
-          <a:p>
-            <a:r>
-              <a:rPr lang="en-GB" dirty="0" smtClean="0"/>
-              <a:t>Push back (Lose story points)</a:t>
-            </a:r>
-          </a:p>
-        </p:txBody>
-      </p:sp>
-    </p:spTree>
-    <p:extLst>
-      <p:ext uri="{BB962C8B-B14F-4D97-AF65-F5344CB8AC3E}">
-        <p14:creationId xmlns:p14="http://schemas.microsoft.com/office/powerpoint/2010/main" val="211886365"/>
-      </p:ext>
-    </p:extLst>
-  </p:cSld>
-  <p:clrMapOvr>
-    <a:masterClrMapping/>
-  </p:clrMapOvr>
-  <p:timing>
-    <p:tnLst>
-      <p:par>
-        <p:cTn id="1" dur="indefinite" restart="never" nodeType="tmRoot">
-          <p:childTnLst>
-            <p:seq concurrent="1" nextAc="seek">
-              <p:cTn id="2" dur="indefinite" nodeType="mainSeq">
-                <p:childTnLst>
-                  <p:par>
-                    <p:cTn id="3" fill="hold">
-                      <p:stCondLst>
-                        <p:cond delay="indefinite"/>
-                      </p:stCondLst>
-                      <p:childTnLst>
-                        <p:par>
-                          <p:cTn id="4" fill="hold">
-                            <p:stCondLst>
-                              <p:cond delay="0"/>
-                            </p:stCondLst>
-                            <p:childTnLst>
-                              <p:par>
-                                <p:cTn id="5" presetID="1" presetClass="entr" presetSubtype="0" fill="hold" grpId="0" nodeType="clickEffect">
-                                  <p:stCondLst>
-                                    <p:cond delay="0"/>
-                                  </p:stCondLst>
-                                  <p:childTnLst>
-                                    <p:set>
-                                      <p:cBhvr>
-                                        <p:cTn id="6" dur="1" fill="hold">
-                                          <p:stCondLst>
-                                            <p:cond delay="0"/>
-                                          </p:stCondLst>
-                                        </p:cTn>
-                                        <p:tgtEl>
-                                          <p:spTgt spid="3">
-                                            <p:txEl>
-                                              <p:pRg st="0" end="0"/>
-                                            </p:txEl>
-                                          </p:spTgt>
-                                        </p:tgtEl>
-                                        <p:attrNameLst>
-                                          <p:attrName>style.visibility</p:attrName>
-                                        </p:attrNameLst>
-                                      </p:cBhvr>
-                                      <p:to>
-                                        <p:strVal val="visible"/>
-                                      </p:to>
-                                    </p:set>
-                                  </p:childTnLst>
-                                </p:cTn>
-                              </p:par>
-                            </p:childTnLst>
-                          </p:cTn>
-                        </p:par>
-                      </p:childTnLst>
-                    </p:cTn>
-                  </p:par>
-                  <p:par>
-                    <p:cTn id="7" fill="hold">
-                      <p:stCondLst>
-                        <p:cond delay="indefinite"/>
-                      </p:stCondLst>
-                      <p:childTnLst>
-                        <p:par>
-                          <p:cTn id="8" fill="hold">
-                            <p:stCondLst>
-                              <p:cond delay="0"/>
-                            </p:stCondLst>
-                            <p:childTnLst>
-                              <p:par>
-                                <p:cTn id="9" presetID="1" presetClass="entr" presetSubtype="0" fill="hold" grpId="0" nodeType="clickEffect">
-                                  <p:stCondLst>
-                                    <p:cond delay="0"/>
-                                  </p:stCondLst>
-                                  <p:childTnLst>
-                                    <p:set>
-                                      <p:cBhvr>
-                                        <p:cTn id="10" dur="1" fill="hold">
-                                          <p:stCondLst>
-                                            <p:cond delay="0"/>
-                                          </p:stCondLst>
-                                        </p:cTn>
-                                        <p:tgtEl>
-                                          <p:spTgt spid="3">
-                                            <p:txEl>
-                                              <p:pRg st="1" end="1"/>
-                                            </p:txEl>
-                                          </p:spTgt>
-                                        </p:tgtEl>
-                                        <p:attrNameLst>
-                                          <p:attrName>style.visibility</p:attrName>
-                                        </p:attrNameLst>
-                                      </p:cBhvr>
-                                      <p:to>
-                                        <p:strVal val="visible"/>
-                                      </p:to>
-                                    </p:set>
-                                  </p:childTnLst>
-                                </p:cTn>
-                              </p:par>
-                            </p:childTnLst>
-                          </p:cTn>
-                        </p:par>
-                      </p:childTnLst>
-                    </p:cTn>
-                  </p:par>
-                </p:childTnLst>
-              </p:cTn>
-              <p:prevCondLst>
-                <p:cond evt="onPrev" delay="0">
-                  <p:tgtEl>
-                    <p:sldTgt/>
-                  </p:tgtEl>
-                </p:cond>
-              </p:prevCondLst>
-              <p:nextCondLst>
-                <p:cond evt="onNext" delay="0">
-                  <p:tgtEl>
-                    <p:sldTgt/>
-                  </p:tgtEl>
-                </p:cond>
-              </p:nextCondLst>
-            </p:seq>
-          </p:childTnLst>
-        </p:cTn>
-      </p:par>
-    </p:tnLst>
-    <p:bldLst>
-      <p:bldP spid="3" grpId="0" build="p"/>
-    </p:bldLst>
-  </p:timing>
-</p:sld>
-</file>
-
-<file path=ppt/slides/slide8.xml><?xml version="1.0" encoding="utf-8"?>
-<p:sld xmlns:a="http://schemas.openxmlformats.org/drawingml/2006/main" xmlns:r="http://schemas.openxmlformats.org/officeDocument/2006/relationships" xmlns:p="http://schemas.openxmlformats.org/presentationml/2006/main">
-  <p:cSld>
-    <p:spTree>
-      <p:nvGrpSpPr>
-        <p:cNvPr id="1" name=""/>
-        <p:cNvGrpSpPr/>
-        <p:nvPr/>
-      </p:nvGrpSpPr>
-      <p:grpSpPr>
-        <a:xfrm>
-          <a:off x="0" y="0"/>
-          <a:ext cx="0" cy="0"/>
-          <a:chOff x="0" y="0"/>
-          <a:chExt cx="0" cy="0"/>
-        </a:xfrm>
-      </p:grpSpPr>
-      <p:sp>
-        <p:nvSpPr>
-          <p:cNvPr id="2" name="Title 1"/>
-          <p:cNvSpPr>
-            <a:spLocks noGrp="1"/>
-          </p:cNvSpPr>
-          <p:nvPr>
-            <p:ph type="title"/>
-          </p:nvPr>
-        </p:nvSpPr>
-        <p:spPr>
-          <a:xfrm>
-            <a:off x="467544" y="764704"/>
-            <a:ext cx="8229600" cy="1143000"/>
-          </a:xfrm>
-        </p:spPr>
-        <p:txBody>
-          <a:bodyPr>
-            <a:normAutofit fontScale="90000"/>
-          </a:bodyPr>
-          <a:lstStyle/>
-          <a:p>
-            <a:r>
-              <a:rPr lang="en-GB" dirty="0" smtClean="0"/>
-              <a:t>Time for a change up! Do you:</a:t>
-            </a:r>
-            <a:br>
-              <a:rPr lang="en-GB" dirty="0" smtClean="0"/>
-            </a:br>
-            <a:endParaRPr lang="en-GB" dirty="0"/>
-          </a:p>
-        </p:txBody>
-      </p:sp>
-      <p:sp>
-        <p:nvSpPr>
-          <p:cNvPr id="3" name="Content Placeholder 2"/>
-          <p:cNvSpPr>
-            <a:spLocks noGrp="1"/>
-          </p:cNvSpPr>
-          <p:nvPr>
-            <p:ph idx="1"/>
-          </p:nvPr>
-        </p:nvSpPr>
-        <p:spPr>
-          <a:xfrm>
-            <a:off x="467544" y="1916832"/>
-            <a:ext cx="8229600" cy="4525963"/>
-          </a:xfrm>
-        </p:spPr>
-        <p:txBody>
-          <a:bodyPr/>
-          <a:lstStyle/>
-          <a:p>
-            <a:r>
-              <a:rPr lang="en-GB" dirty="0" smtClean="0"/>
-              <a:t>Touch base to productise your efficiencies (No effect)</a:t>
-            </a:r>
-          </a:p>
-          <a:p>
-            <a:r>
-              <a:rPr lang="en-GB" dirty="0" smtClean="0"/>
-              <a:t>Implement change management going forward (No effect)</a:t>
-            </a:r>
-          </a:p>
-          <a:p>
-            <a:r>
-              <a:rPr lang="en-GB" dirty="0" smtClean="0"/>
-              <a:t>Paradigm shift by opening the kimono (No effect)</a:t>
-            </a:r>
-            <a:endParaRPr lang="en-GB" dirty="0"/>
-          </a:p>
-        </p:txBody>
-      </p:sp>
-    </p:spTree>
-    <p:extLst>
-      <p:ext uri="{BB962C8B-B14F-4D97-AF65-F5344CB8AC3E}">
-        <p14:creationId xmlns:p14="http://schemas.microsoft.com/office/powerpoint/2010/main" val="2698459572"/>
-      </p:ext>
-    </p:extLst>
-  </p:cSld>
-  <p:clrMapOvr>
-    <a:masterClrMapping/>
-  </p:clrMapOvr>
-  <p:timing>
-    <p:tnLst>
-      <p:par>
-        <p:cTn id="1" dur="indefinite" restart="never" nodeType="tmRoot">
-          <p:childTnLst>
-            <p:seq concurrent="1" nextAc="seek">
-              <p:cTn id="2" dur="indefinite" nodeType="mainSeq">
-                <p:childTnLst>
-                  <p:par>
-                    <p:cTn id="3" fill="hold">
-                      <p:stCondLst>
-                        <p:cond delay="indefinite"/>
-                      </p:stCondLst>
-                      <p:childTnLst>
-                        <p:par>
-                          <p:cTn id="4" fill="hold">
-                            <p:stCondLst>
-                              <p:cond delay="0"/>
-                            </p:stCondLst>
-                            <p:childTnLst>
-                              <p:par>
-                                <p:cTn id="5" presetID="1" presetClass="entr" presetSubtype="0" fill="hold" grpId="0" nodeType="clickEffect">
-                                  <p:stCondLst>
-                                    <p:cond delay="0"/>
-                                  </p:stCondLst>
-                                  <p:childTnLst>
-                                    <p:set>
-                                      <p:cBhvr>
-                                        <p:cTn id="6" dur="1" fill="hold">
-                                          <p:stCondLst>
-                                            <p:cond delay="0"/>
-                                          </p:stCondLst>
-                                        </p:cTn>
-                                        <p:tgtEl>
-                                          <p:spTgt spid="3">
-                                            <p:txEl>
-                                              <p:pRg st="0" end="0"/>
-                                            </p:txEl>
-                                          </p:spTgt>
-                                        </p:tgtEl>
-                                        <p:attrNameLst>
-                                          <p:attrName>style.visibility</p:attrName>
-                                        </p:attrNameLst>
-                                      </p:cBhvr>
-                                      <p:to>
-                                        <p:strVal val="visible"/>
-                                      </p:to>
-                                    </p:set>
-                                  </p:childTnLst>
-                                </p:cTn>
-                              </p:par>
-                            </p:childTnLst>
-                          </p:cTn>
-                        </p:par>
-                      </p:childTnLst>
-                    </p:cTn>
-                  </p:par>
-                  <p:par>
-                    <p:cTn id="7" fill="hold">
-                      <p:stCondLst>
-                        <p:cond delay="indefinite"/>
-                      </p:stCondLst>
-                      <p:childTnLst>
-                        <p:par>
-                          <p:cTn id="8" fill="hold">
-                            <p:stCondLst>
-                              <p:cond delay="0"/>
-                            </p:stCondLst>
-                            <p:childTnLst>
-                              <p:par>
-                                <p:cTn id="9" presetID="1" presetClass="entr" presetSubtype="0" fill="hold" grpId="0" nodeType="clickEffect">
-                                  <p:stCondLst>
-                                    <p:cond delay="0"/>
-                                  </p:stCondLst>
-                                  <p:childTnLst>
-                                    <p:set>
-                                      <p:cBhvr>
-                                        <p:cTn id="10" dur="1" fill="hold">
-                                          <p:stCondLst>
-                                            <p:cond delay="0"/>
-                                          </p:stCondLst>
-                                        </p:cTn>
-                                        <p:tgtEl>
-                                          <p:spTgt spid="3">
-                                            <p:txEl>
-                                              <p:pRg st="1" end="1"/>
-                                            </p:txEl>
-                                          </p:spTgt>
-                                        </p:tgtEl>
-                                        <p:attrNameLst>
-                                          <p:attrName>style.visibility</p:attrName>
-                                        </p:attrNameLst>
-                                      </p:cBhvr>
-                                      <p:to>
-                                        <p:strVal val="visible"/>
-                                      </p:to>
-                                    </p:set>
-                                  </p:childTnLst>
-                                </p:cTn>
-                              </p:par>
-                            </p:childTnLst>
-                          </p:cTn>
-                        </p:par>
-                      </p:childTnLst>
-                    </p:cTn>
-                  </p:par>
-                  <p:par>
-                    <p:cTn id="11" fill="hold">
-                      <p:stCondLst>
-                        <p:cond delay="indefinite"/>
-                      </p:stCondLst>
-                      <p:childTnLst>
-                        <p:par>
-                          <p:cTn id="12" fill="hold">
-                            <p:stCondLst>
-                              <p:cond delay="0"/>
-                            </p:stCondLst>
-                            <p:childTnLst>
-                              <p:par>
-                                <p:cTn id="13" presetID="1" presetClass="entr" presetSubtype="0" fill="hold" grpId="0" nodeType="clickEffect">
-                                  <p:stCondLst>
-                                    <p:cond delay="0"/>
-                                  </p:stCondLst>
-                                  <p:childTnLst>
-                                    <p:set>
-                                      <p:cBhvr>
-                                        <p:cTn id="14" dur="1" fill="hold">
-                                          <p:stCondLst>
-                                            <p:cond delay="0"/>
-                                          </p:stCondLst>
-                                        </p:cTn>
-                                        <p:tgtEl>
-                                          <p:spTgt spid="3">
-                                            <p:txEl>
-                                              <p:pRg st="2" end="2"/>
-                                            </p:txEl>
-                                          </p:spTgt>
-                                        </p:tgtEl>
-                                        <p:attrNameLst>
-                                          <p:attrName>style.visibility</p:attrName>
-                                        </p:attrNameLst>
-                                      </p:cBhvr>
-                                      <p:to>
-                                        <p:strVal val="visible"/>
-                                      </p:to>
-                                    </p:set>
-                                  </p:childTnLst>
-                                </p:cTn>
-                              </p:par>
-                            </p:childTnLst>
-                          </p:cTn>
-                        </p:par>
-                      </p:childTnLst>
-                    </p:cTn>
-                  </p:par>
-                </p:childTnLst>
-              </p:cTn>
-              <p:prevCondLst>
-                <p:cond evt="onPrev" delay="0">
-                  <p:tgtEl>
-                    <p:sldTgt/>
-                  </p:tgtEl>
-                </p:cond>
-              </p:prevCondLst>
-              <p:nextCondLst>
-                <p:cond evt="onNext" delay="0">
-                  <p:tgtEl>
-                    <p:sldTgt/>
-                  </p:tgtEl>
-                </p:cond>
-              </p:nextCondLst>
-            </p:seq>
-          </p:childTnLst>
-        </p:cTn>
-      </p:par>
-    </p:tnLst>
-    <p:bldLst>
-      <p:bldP spid="3" grpId="0" build="p"/>
-    </p:bldLst>
-  </p:timing>
-</p:sld>
-</file>
-
-<file path=ppt/slides/slide9.xml><?xml version="1.0" encoding="utf-8"?>
-<p:sld xmlns:a="http://schemas.openxmlformats.org/drawingml/2006/main" xmlns:r="http://schemas.openxmlformats.org/officeDocument/2006/relationships" xmlns:p="http://schemas.openxmlformats.org/presentationml/2006/main">
-  <p:cSld>
-    <p:spTree>
-      <p:nvGrpSpPr>
-        <p:cNvPr id="1" name=""/>
-        <p:cNvGrpSpPr/>
-        <p:nvPr/>
-      </p:nvGrpSpPr>
-      <p:grpSpPr>
-        <a:xfrm>
-          <a:off x="0" y="0"/>
-          <a:ext cx="0" cy="0"/>
-          <a:chOff x="0" y="0"/>
-          <a:chExt cx="0" cy="0"/>
-        </a:xfrm>
-      </p:grpSpPr>
-      <p:sp>
-        <p:nvSpPr>
-          <p:cNvPr id="2" name="Title 1"/>
-          <p:cNvSpPr>
-            <a:spLocks noGrp="1"/>
-          </p:cNvSpPr>
-          <p:nvPr>
-            <p:ph type="title"/>
-          </p:nvPr>
-        </p:nvSpPr>
-        <p:spPr>
-          <a:xfrm>
-            <a:off x="467544" y="764704"/>
-            <a:ext cx="8229600" cy="1143000"/>
-          </a:xfrm>
-        </p:spPr>
-        <p:txBody>
-          <a:bodyPr>
-            <a:normAutofit fontScale="90000"/>
-          </a:bodyPr>
-          <a:lstStyle/>
-          <a:p>
-            <a:r>
-              <a:rPr lang="en-GB" dirty="0" smtClean="0"/>
-              <a:t>The team gets an increased budget! Do you:</a:t>
-            </a:r>
-            <a:br>
-              <a:rPr lang="en-GB" dirty="0" smtClean="0"/>
-            </a:br>
-            <a:endParaRPr lang="en-GB" dirty="0"/>
-          </a:p>
-        </p:txBody>
-      </p:sp>
-      <p:sp>
-        <p:nvSpPr>
-          <p:cNvPr id="3" name="Content Placeholder 2"/>
-          <p:cNvSpPr>
-            <a:spLocks noGrp="1"/>
-          </p:cNvSpPr>
-          <p:nvPr>
-            <p:ph idx="1"/>
-          </p:nvPr>
-        </p:nvSpPr>
-        <p:spPr>
-          <a:xfrm>
-            <a:off x="467544" y="1916832"/>
-            <a:ext cx="8229600" cy="4525963"/>
-          </a:xfrm>
-        </p:spPr>
-        <p:txBody>
-          <a:bodyPr/>
-          <a:lstStyle/>
-          <a:p>
-            <a:r>
-              <a:rPr lang="en-GB" dirty="0" smtClean="0"/>
-              <a:t>Try to hire a new resource? (50% chance to get a random resource)</a:t>
-            </a:r>
-          </a:p>
-          <a:p>
-            <a:r>
-              <a:rPr lang="en-GB" dirty="0" smtClean="0"/>
-              <a:t>Outsource an old project (Gain story points)</a:t>
-            </a:r>
-          </a:p>
-          <a:p>
-            <a:r>
-              <a:rPr lang="en-GB" dirty="0" smtClean="0"/>
-              <a:t>Buy a coffee machine (Gain morale)</a:t>
-            </a:r>
-            <a:endParaRPr lang="en-GB" dirty="0"/>
-          </a:p>
-        </p:txBody>
-      </p:sp>
-    </p:spTree>
-    <p:extLst>
-      <p:ext uri="{BB962C8B-B14F-4D97-AF65-F5344CB8AC3E}">
-        <p14:creationId xmlns:p14="http://schemas.microsoft.com/office/powerpoint/2010/main" val="2698459572"/>
-      </p:ext>
-    </p:extLst>
-  </p:cSld>
-  <p:clrMapOvr>
-    <a:masterClrMapping/>
-  </p:clrMapOvr>
-  <p:timing>
-    <p:tnLst>
-      <p:par>
-        <p:cTn id="1" dur="indefinite" restart="never" nodeType="tmRoot">
-          <p:childTnLst>
-            <p:seq concurrent="1" nextAc="seek">
-              <p:cTn id="2" dur="indefinite" nodeType="mainSeq">
-                <p:childTnLst>
-                  <p:par>
-                    <p:cTn id="3" fill="hold">
-                      <p:stCondLst>
-                        <p:cond delay="indefinite"/>
-                      </p:stCondLst>
-                      <p:childTnLst>
-                        <p:par>
-                          <p:cTn id="4" fill="hold">
-                            <p:stCondLst>
-                              <p:cond delay="0"/>
-                            </p:stCondLst>
-                            <p:childTnLst>
-                              <p:par>
-                                <p:cTn id="5" presetID="1" presetClass="entr" presetSubtype="0" fill="hold" grpId="0" nodeType="clickEffect">
-                                  <p:stCondLst>
-                                    <p:cond delay="0"/>
-                                  </p:stCondLst>
-                                  <p:childTnLst>
-                                    <p:set>
-                                      <p:cBhvr>
-                                        <p:cTn id="6" dur="1" fill="hold">
-                                          <p:stCondLst>
-                                            <p:cond delay="0"/>
-                                          </p:stCondLst>
-                                        </p:cTn>
-                                        <p:tgtEl>
-                                          <p:spTgt spid="3">
-                                            <p:txEl>
-                                              <p:pRg st="0" end="0"/>
-                                            </p:txEl>
-                                          </p:spTgt>
-                                        </p:tgtEl>
-                                        <p:attrNameLst>
-                                          <p:attrName>style.visibility</p:attrName>
-                                        </p:attrNameLst>
-                                      </p:cBhvr>
-                                      <p:to>
-                                        <p:strVal val="visible"/>
-                                      </p:to>
-                                    </p:set>
-                                  </p:childTnLst>
-                                </p:cTn>
-                              </p:par>
-                            </p:childTnLst>
-                          </p:cTn>
-                        </p:par>
-                      </p:childTnLst>
-                    </p:cTn>
-                  </p:par>
-                  <p:par>
-                    <p:cTn id="7" fill="hold">
-                      <p:stCondLst>
-                        <p:cond delay="indefinite"/>
-                      </p:stCondLst>
-                      <p:childTnLst>
-                        <p:par>
-                          <p:cTn id="8" fill="hold">
-                            <p:stCondLst>
-                              <p:cond delay="0"/>
-                            </p:stCondLst>
-                            <p:childTnLst>
-                              <p:par>
-                                <p:cTn id="9" presetID="1" presetClass="entr" presetSubtype="0" fill="hold" grpId="0" nodeType="clickEffect">
-                                  <p:stCondLst>
-                                    <p:cond delay="0"/>
-                                  </p:stCondLst>
-                                  <p:childTnLst>
-                                    <p:set>
-                                      <p:cBhvr>
-                                        <p:cTn id="10" dur="1" fill="hold">
-                                          <p:stCondLst>
-                                            <p:cond delay="0"/>
-                                          </p:stCondLst>
-                                        </p:cTn>
-                                        <p:tgtEl>
-                                          <p:spTgt spid="3">
-                                            <p:txEl>
-                                              <p:pRg st="1" end="1"/>
-                                            </p:txEl>
-                                          </p:spTgt>
-                                        </p:tgtEl>
-                                        <p:attrNameLst>
-                                          <p:attrName>style.visibility</p:attrName>
-                                        </p:attrNameLst>
-                                      </p:cBhvr>
-                                      <p:to>
-                                        <p:strVal val="visible"/>
-                                      </p:to>
-                                    </p:set>
-                                  </p:childTnLst>
-                                </p:cTn>
-                              </p:par>
-                            </p:childTnLst>
-                          </p:cTn>
-                        </p:par>
-                      </p:childTnLst>
-                    </p:cTn>
-                  </p:par>
-                  <p:par>
-                    <p:cTn id="11" fill="hold">
-                      <p:stCondLst>
-                        <p:cond delay="indefinite"/>
-                      </p:stCondLst>
-                      <p:childTnLst>
-                        <p:par>
-                          <p:cTn id="12" fill="hold">
-                            <p:stCondLst>
-                              <p:cond delay="0"/>
-                            </p:stCondLst>
-                            <p:childTnLst>
-                              <p:par>
-                                <p:cTn id="13" presetID="1" presetClass="entr" presetSubtype="0" fill="hold" grpId="0" nodeType="clickEffect">
-                                  <p:stCondLst>
-                                    <p:cond delay="0"/>
-                                  </p:stCondLst>
-                                  <p:childTnLst>
-                                    <p:set>
-                                      <p:cBhvr>
-                                        <p:cTn id="14" dur="1" fill="hold">
-                                          <p:stCondLst>
-                                            <p:cond delay="0"/>
-                                          </p:stCondLst>
-                                        </p:cTn>
-                                        <p:tgtEl>
-                                          <p:spTgt spid="3">
-                                            <p:txEl>
-                                              <p:pRg st="2" end="2"/>
-                                            </p:txEl>
-                                          </p:spTgt>
-                                        </p:tgtEl>
-                                        <p:attrNameLst>
-                                          <p:attrName>style.visibility</p:attrName>
-                                        </p:attrNameLst>
-                                      </p:cBhvr>
-                                      <p:to>
-                                        <p:strVal val="visible"/>
-                                      </p:to>
-                                    </p:set>
-                                  </p:childTnLst>
-                                </p:cTn>
-                              </p:par>
-                            </p:childTnLst>
-                          </p:cTn>
-                        </p:par>
-                      </p:childTnLst>
-                    </p:cTn>
-                  </p:par>
-                </p:childTnLst>
-              </p:cTn>
-              <p:prevCondLst>
-                <p:cond evt="onPrev" delay="0">
-                  <p:tgtEl>
-                    <p:sldTgt/>
-                  </p:tgtEl>
-                </p:cond>
-              </p:prevCondLst>
-              <p:nextCondLst>
-                <p:cond evt="onNext" delay="0">
-                  <p:tgtEl>
-                    <p:sldTgt/>
-                  </p:tgtEl>
-                </p:cond>
-              </p:nextCondLst>
-            </p:seq>
-          </p:childTnLst>
-        </p:cTn>
-      </p:par>
-    </p:tnLst>
-    <p:bldLst>
-      <p:bldP spid="3" grpId="0" build="p"/>
-    </p:bldLst>
   </p:timing>
 </p:sld>
 </file>

--- a/Oregon Roadmap.pptx
+++ b/Oregon Roadmap.pptx
@@ -3126,7 +3126,12 @@
             <p:ph type="ctrTitle"/>
           </p:nvPr>
         </p:nvSpPr>
-        <p:spPr/>
+        <p:spPr>
+          <a:xfrm>
+            <a:off x="683568" y="116632"/>
+            <a:ext cx="7772400" cy="1470025"/>
+          </a:xfrm>
+        </p:spPr>
         <p:txBody>
           <a:bodyPr/>
           <a:lstStyle/>
@@ -3139,6 +3144,45 @@
           </a:p>
         </p:txBody>
       </p:sp>
+      <p:pic>
+        <p:nvPicPr>
+          <p:cNvPr id="1026" name="Picture 2" descr="D:\dev\oregon_roadmap\img\gantt.png"/>
+          <p:cNvPicPr>
+            <a:picLocks noChangeAspect="1" noChangeArrowheads="1"/>
+          </p:cNvPicPr>
+          <p:nvPr/>
+        </p:nvPicPr>
+        <p:blipFill rotWithShape="1">
+          <a:blip r:embed="rId2">
+            <a:extLst>
+              <a:ext uri="{28A0092B-C50C-407E-A947-70E740481C1C}">
+                <a14:useLocalDpi xmlns:a14="http://schemas.microsoft.com/office/drawing/2010/main" val="0"/>
+              </a:ext>
+            </a:extLst>
+          </a:blip>
+          <a:srcRect r="47614"/>
+          <a:stretch/>
+        </p:blipFill>
+        <p:spPr bwMode="auto">
+          <a:xfrm>
+            <a:off x="66682" y="1340768"/>
+            <a:ext cx="9031450" cy="5010150"/>
+          </a:xfrm>
+          <a:prstGeom prst="rect">
+            <a:avLst/>
+          </a:prstGeom>
+          <a:noFill/>
+          <a:extLst>
+            <a:ext uri="{909E8E84-426E-40DD-AFC4-6F175D3DCCD1}">
+              <a14:hiddenFill xmlns:a14="http://schemas.microsoft.com/office/drawing/2010/main">
+                <a:solidFill>
+                  <a:srgbClr val="FFFFFF"/>
+                </a:solidFill>
+              </a14:hiddenFill>
+            </a:ext>
+          </a:extLst>
+        </p:spPr>
+      </p:pic>
     </p:spTree>
     <p:extLst>
       <p:ext uri="{BB962C8B-B14F-4D97-AF65-F5344CB8AC3E}">

--- a/Oregon Roadmap.pptx
+++ b/Oregon Roadmap.pptx
@@ -10,7 +10,8 @@
     <p:sldId id="257" r:id="rId4"/>
     <p:sldId id="259" r:id="rId5"/>
     <p:sldId id="260" r:id="rId6"/>
-    <p:sldId id="265" r:id="rId7"/>
+    <p:sldId id="266" r:id="rId7"/>
+    <p:sldId id="265" r:id="rId8"/>
   </p:sldIdLst>
   <p:sldSz cx="9144000" cy="6858000" type="screen4x3"/>
   <p:notesSz cx="6858000" cy="9144000"/>
@@ -119,6 +120,7 @@
             <p14:sldId id="257"/>
             <p14:sldId id="259"/>
             <p14:sldId id="260"/>
+            <p14:sldId id="266"/>
             <p14:sldId id="265"/>
           </p14:sldIdLst>
         </p14:section>
@@ -309,7 +311,7 @@
           <a:p>
             <a:fld id="{19B62458-D5D2-41A4-9F65-E0D2BDEDC4CC}" type="datetimeFigureOut">
               <a:rPr lang="en-GB" smtClean="0"/>
-              <a:t>12/02/2015</a:t>
+              <a:t>13/02/2015</a:t>
             </a:fld>
             <a:endParaRPr lang="en-GB"/>
           </a:p>
@@ -479,7 +481,7 @@
           <a:p>
             <a:fld id="{19B62458-D5D2-41A4-9F65-E0D2BDEDC4CC}" type="datetimeFigureOut">
               <a:rPr lang="en-GB" smtClean="0"/>
-              <a:t>12/02/2015</a:t>
+              <a:t>13/02/2015</a:t>
             </a:fld>
             <a:endParaRPr lang="en-GB"/>
           </a:p>
@@ -659,7 +661,7 @@
           <a:p>
             <a:fld id="{19B62458-D5D2-41A4-9F65-E0D2BDEDC4CC}" type="datetimeFigureOut">
               <a:rPr lang="en-GB" smtClean="0"/>
-              <a:t>12/02/2015</a:t>
+              <a:t>13/02/2015</a:t>
             </a:fld>
             <a:endParaRPr lang="en-GB"/>
           </a:p>
@@ -829,7 +831,7 @@
           <a:p>
             <a:fld id="{19B62458-D5D2-41A4-9F65-E0D2BDEDC4CC}" type="datetimeFigureOut">
               <a:rPr lang="en-GB" smtClean="0"/>
-              <a:t>12/02/2015</a:t>
+              <a:t>13/02/2015</a:t>
             </a:fld>
             <a:endParaRPr lang="en-GB"/>
           </a:p>
@@ -1075,7 +1077,7 @@
           <a:p>
             <a:fld id="{19B62458-D5D2-41A4-9F65-E0D2BDEDC4CC}" type="datetimeFigureOut">
               <a:rPr lang="en-GB" smtClean="0"/>
-              <a:t>12/02/2015</a:t>
+              <a:t>13/02/2015</a:t>
             </a:fld>
             <a:endParaRPr lang="en-GB"/>
           </a:p>
@@ -1363,7 +1365,7 @@
           <a:p>
             <a:fld id="{19B62458-D5D2-41A4-9F65-E0D2BDEDC4CC}" type="datetimeFigureOut">
               <a:rPr lang="en-GB" smtClean="0"/>
-              <a:t>12/02/2015</a:t>
+              <a:t>13/02/2015</a:t>
             </a:fld>
             <a:endParaRPr lang="en-GB"/>
           </a:p>
@@ -1785,7 +1787,7 @@
           <a:p>
             <a:fld id="{19B62458-D5D2-41A4-9F65-E0D2BDEDC4CC}" type="datetimeFigureOut">
               <a:rPr lang="en-GB" smtClean="0"/>
-              <a:t>12/02/2015</a:t>
+              <a:t>13/02/2015</a:t>
             </a:fld>
             <a:endParaRPr lang="en-GB"/>
           </a:p>
@@ -1903,7 +1905,7 @@
           <a:p>
             <a:fld id="{19B62458-D5D2-41A4-9F65-E0D2BDEDC4CC}" type="datetimeFigureOut">
               <a:rPr lang="en-GB" smtClean="0"/>
-              <a:t>12/02/2015</a:t>
+              <a:t>13/02/2015</a:t>
             </a:fld>
             <a:endParaRPr lang="en-GB"/>
           </a:p>
@@ -1998,7 +2000,7 @@
           <a:p>
             <a:fld id="{19B62458-D5D2-41A4-9F65-E0D2BDEDC4CC}" type="datetimeFigureOut">
               <a:rPr lang="en-GB" smtClean="0"/>
-              <a:t>12/02/2015</a:t>
+              <a:t>13/02/2015</a:t>
             </a:fld>
             <a:endParaRPr lang="en-GB"/>
           </a:p>
@@ -2275,7 +2277,7 @@
           <a:p>
             <a:fld id="{19B62458-D5D2-41A4-9F65-E0D2BDEDC4CC}" type="datetimeFigureOut">
               <a:rPr lang="en-GB" smtClean="0"/>
-              <a:t>12/02/2015</a:t>
+              <a:t>13/02/2015</a:t>
             </a:fld>
             <a:endParaRPr lang="en-GB"/>
           </a:p>
@@ -2528,7 +2530,7 @@
           <a:p>
             <a:fld id="{19B62458-D5D2-41A4-9F65-E0D2BDEDC4CC}" type="datetimeFigureOut">
               <a:rPr lang="en-GB" smtClean="0"/>
-              <a:t>12/02/2015</a:t>
+              <a:t>13/02/2015</a:t>
             </a:fld>
             <a:endParaRPr lang="en-GB"/>
           </a:p>
@@ -2741,7 +2743,7 @@
           <a:p>
             <a:fld id="{19B62458-D5D2-41A4-9F65-E0D2BDEDC4CC}" type="datetimeFigureOut">
               <a:rPr lang="en-GB" smtClean="0"/>
-              <a:t>12/02/2015</a:t>
+              <a:t>13/02/2015</a:t>
             </a:fld>
             <a:endParaRPr lang="en-GB"/>
           </a:p>
@@ -4047,8 +4049,8 @@
         </p:blipFill>
         <p:spPr bwMode="auto">
           <a:xfrm>
-            <a:off x="251520" y="1844824"/>
-            <a:ext cx="4548102" cy="2232248"/>
+            <a:off x="2483768" y="3356992"/>
+            <a:ext cx="4824536" cy="2367924"/>
           </a:xfrm>
           <a:prstGeom prst="rect">
             <a:avLst/>
@@ -4090,7 +4092,7 @@
       </p:pic>
       <p:pic>
         <p:nvPicPr>
-          <p:cNvPr id="1027" name="Picture 1" descr="image001"/>
+          <p:cNvPr id="3" name="Picture 1" descr="image001"/>
           <p:cNvPicPr>
             <a:picLocks noChangeAspect="1" noChangeArrowheads="1"/>
           </p:cNvPicPr>
@@ -4111,8 +4113,8 @@
         </p:blipFill>
         <p:spPr bwMode="auto">
           <a:xfrm>
-            <a:off x="4952700" y="3223367"/>
-            <a:ext cx="4163963" cy="3121055"/>
+            <a:off x="595517" y="1844824"/>
+            <a:ext cx="6315075" cy="1028700"/>
           </a:xfrm>
           <a:prstGeom prst="rect">
             <a:avLst/>
@@ -4205,51 +4207,6 @@
                       </p:childTnLst>
                     </p:cTn>
                   </p:par>
-                  <p:par>
-                    <p:cTn id="7" fill="hold">
-                      <p:stCondLst>
-                        <p:cond delay="indefinite"/>
-                      </p:stCondLst>
-                      <p:childTnLst>
-                        <p:par>
-                          <p:cTn id="8" fill="hold">
-                            <p:stCondLst>
-                              <p:cond delay="0"/>
-                            </p:stCondLst>
-                            <p:childTnLst>
-                              <p:par>
-                                <p:cTn id="9" presetID="1" presetClass="entr" presetSubtype="0" fill="hold" nodeType="clickEffect">
-                                  <p:stCondLst>
-                                    <p:cond delay="0"/>
-                                  </p:stCondLst>
-                                  <p:childTnLst>
-                                    <p:set>
-                                      <p:cBhvr>
-                                        <p:cTn id="10" dur="1" fill="hold">
-                                          <p:stCondLst>
-                                            <p:cond delay="0"/>
-                                          </p:stCondLst>
-                                        </p:cTn>
-                                        <p:tgtEl>
-                                          <p:spTgt spid="1027"/>
-                                        </p:tgtEl>
-                                        <p:attrNameLst>
-                                          <p:attrName>style.visibility</p:attrName>
-                                        </p:attrNameLst>
-                                      </p:cBhvr>
-                                      <p:to>
-                                        <p:strVal val="visible"/>
-                                      </p:to>
-                                    </p:set>
-                                  </p:childTnLst>
-                                </p:cTn>
-                              </p:par>
-                            </p:childTnLst>
-                          </p:cTn>
-                        </p:par>
-                      </p:childTnLst>
-                    </p:cTn>
-                  </p:par>
                 </p:childTnLst>
               </p:cTn>
               <p:prevCondLst>
@@ -4276,6 +4233,125 @@
 </file>
 
 <file path=ppt/slides/slide6.xml><?xml version="1.0" encoding="utf-8"?>
+<p:sld xmlns:a="http://schemas.openxmlformats.org/drawingml/2006/main" xmlns:r="http://schemas.openxmlformats.org/officeDocument/2006/relationships" xmlns:p="http://schemas.openxmlformats.org/presentationml/2006/main">
+  <p:cSld>
+    <p:spTree>
+      <p:nvGrpSpPr>
+        <p:cNvPr id="1" name=""/>
+        <p:cNvGrpSpPr/>
+        <p:nvPr/>
+      </p:nvGrpSpPr>
+      <p:grpSpPr>
+        <a:xfrm>
+          <a:off x="0" y="0"/>
+          <a:ext cx="0" cy="0"/>
+          <a:chOff x="0" y="0"/>
+          <a:chExt cx="0" cy="0"/>
+        </a:xfrm>
+      </p:grpSpPr>
+      <p:sp>
+        <p:nvSpPr>
+          <p:cNvPr id="2" name="Title 1"/>
+          <p:cNvSpPr>
+            <a:spLocks noGrp="1"/>
+          </p:cNvSpPr>
+          <p:nvPr>
+            <p:ph type="title"/>
+          </p:nvPr>
+        </p:nvSpPr>
+        <p:spPr/>
+        <p:txBody>
+          <a:bodyPr/>
+          <a:lstStyle/>
+          <a:p>
+            <a:r>
+              <a:rPr lang="en-GB" dirty="0" smtClean="0"/>
+              <a:t>And all you do is render</a:t>
+            </a:r>
+            <a:endParaRPr lang="en-GB" dirty="0"/>
+          </a:p>
+        </p:txBody>
+      </p:sp>
+      <p:pic>
+        <p:nvPicPr>
+          <p:cNvPr id="2050" name="Picture 2"/>
+          <p:cNvPicPr>
+            <a:picLocks noGrp="1" noChangeAspect="1" noChangeArrowheads="1"/>
+          </p:cNvPicPr>
+          <p:nvPr>
+            <p:ph idx="1"/>
+          </p:nvPr>
+        </p:nvPicPr>
+        <p:blipFill>
+          <a:blip r:embed="rId2">
+            <a:extLst>
+              <a:ext uri="{28A0092B-C50C-407E-A947-70E740481C1C}">
+                <a14:useLocalDpi xmlns:a14="http://schemas.microsoft.com/office/drawing/2010/main" val="0"/>
+              </a:ext>
+            </a:extLst>
+          </a:blip>
+          <a:srcRect/>
+          <a:stretch>
+            <a:fillRect/>
+          </a:stretch>
+        </p:blipFill>
+        <p:spPr bwMode="auto">
+          <a:xfrm>
+            <a:off x="2490035" y="2302470"/>
+            <a:ext cx="4163929" cy="3121423"/>
+          </a:xfrm>
+          <a:prstGeom prst="rect">
+            <a:avLst/>
+          </a:prstGeom>
+          <a:noFill/>
+          <a:ln>
+            <a:noFill/>
+          </a:ln>
+          <a:effectLst/>
+          <a:extLst>
+            <a:ext uri="{909E8E84-426E-40DD-AFC4-6F175D3DCCD1}">
+              <a14:hiddenFill xmlns:a14="http://schemas.microsoft.com/office/drawing/2010/main">
+                <a:solidFill>
+                  <a:schemeClr val="accent1"/>
+                </a:solidFill>
+              </a14:hiddenFill>
+            </a:ext>
+            <a:ext uri="{91240B29-F687-4F45-9708-019B960494DF}">
+              <a14:hiddenLine xmlns:a14="http://schemas.microsoft.com/office/drawing/2010/main" w="9525">
+                <a:solidFill>
+                  <a:schemeClr val="tx1"/>
+                </a:solidFill>
+                <a:miter lim="800000"/>
+                <a:headEnd/>
+                <a:tailEnd/>
+              </a14:hiddenLine>
+            </a:ext>
+            <a:ext uri="{AF507438-7753-43E0-B8FC-AC1667EBCBE1}">
+              <a14:hiddenEffects xmlns:a14="http://schemas.microsoft.com/office/drawing/2010/main">
+                <a:effectLst>
+                  <a:outerShdw dist="35921" dir="2700000" algn="ctr" rotWithShape="0">
+                    <a:schemeClr val="bg2"/>
+                  </a:outerShdw>
+                </a:effectLst>
+              </a14:hiddenEffects>
+            </a:ext>
+          </a:extLst>
+        </p:spPr>
+      </p:pic>
+    </p:spTree>
+    <p:extLst>
+      <p:ext uri="{BB962C8B-B14F-4D97-AF65-F5344CB8AC3E}">
+        <p14:creationId xmlns:p14="http://schemas.microsoft.com/office/powerpoint/2010/main" val="3136622482"/>
+      </p:ext>
+    </p:extLst>
+  </p:cSld>
+  <p:clrMapOvr>
+    <a:masterClrMapping/>
+  </p:clrMapOvr>
+</p:sld>
+</file>
+
+<file path=ppt/slides/slide7.xml><?xml version="1.0" encoding="utf-8"?>
 <p:sld xmlns:a="http://schemas.openxmlformats.org/drawingml/2006/main" xmlns:r="http://schemas.openxmlformats.org/officeDocument/2006/relationships" xmlns:p="http://schemas.openxmlformats.org/presentationml/2006/main">
   <p:cSld>
     <p:spTree>
